--- a/docs/class_diagram.pptx
+++ b/docs/class_diagram.pptx
@@ -104,6 +104,11 @@
       </a:defRPr>
     </a:lvl9pPr>
   </p:defaultTextStyle>
+  <p:extLst>
+    <p:ext uri="{EFAFB233-063F-42B5-8137-9DF3F51BA10A}">
+      <p15:sldGuideLst xmlns:p15="http://schemas.microsoft.com/office/powerpoint/2012/main"/>
+    </p:ext>
+  </p:extLst>
 </p:presentation>
 </file>
 
@@ -256,7 +261,7 @@
           <a:p>
             <a:fld id="{8538F2EF-0348-4DBA-9D65-97822118B3A2}" type="datetimeFigureOut">
               <a:rPr lang="en-GB" smtClean="0"/>
-              <a:t>19/12/2022</a:t>
+              <a:t>17/04/2023</a:t>
             </a:fld>
             <a:endParaRPr lang="en-GB"/>
           </a:p>
@@ -456,7 +461,7 @@
           <a:p>
             <a:fld id="{8538F2EF-0348-4DBA-9D65-97822118B3A2}" type="datetimeFigureOut">
               <a:rPr lang="en-GB" smtClean="0"/>
-              <a:t>19/12/2022</a:t>
+              <a:t>17/04/2023</a:t>
             </a:fld>
             <a:endParaRPr lang="en-GB"/>
           </a:p>
@@ -666,7 +671,7 @@
           <a:p>
             <a:fld id="{8538F2EF-0348-4DBA-9D65-97822118B3A2}" type="datetimeFigureOut">
               <a:rPr lang="en-GB" smtClean="0"/>
-              <a:t>19/12/2022</a:t>
+              <a:t>17/04/2023</a:t>
             </a:fld>
             <a:endParaRPr lang="en-GB"/>
           </a:p>
@@ -866,7 +871,7 @@
           <a:p>
             <a:fld id="{8538F2EF-0348-4DBA-9D65-97822118B3A2}" type="datetimeFigureOut">
               <a:rPr lang="en-GB" smtClean="0"/>
-              <a:t>19/12/2022</a:t>
+              <a:t>17/04/2023</a:t>
             </a:fld>
             <a:endParaRPr lang="en-GB"/>
           </a:p>
@@ -1142,7 +1147,7 @@
           <a:p>
             <a:fld id="{8538F2EF-0348-4DBA-9D65-97822118B3A2}" type="datetimeFigureOut">
               <a:rPr lang="en-GB" smtClean="0"/>
-              <a:t>19/12/2022</a:t>
+              <a:t>17/04/2023</a:t>
             </a:fld>
             <a:endParaRPr lang="en-GB"/>
           </a:p>
@@ -1410,7 +1415,7 @@
           <a:p>
             <a:fld id="{8538F2EF-0348-4DBA-9D65-97822118B3A2}" type="datetimeFigureOut">
               <a:rPr lang="en-GB" smtClean="0"/>
-              <a:t>19/12/2022</a:t>
+              <a:t>17/04/2023</a:t>
             </a:fld>
             <a:endParaRPr lang="en-GB"/>
           </a:p>
@@ -1825,7 +1830,7 @@
           <a:p>
             <a:fld id="{8538F2EF-0348-4DBA-9D65-97822118B3A2}" type="datetimeFigureOut">
               <a:rPr lang="en-GB" smtClean="0"/>
-              <a:t>19/12/2022</a:t>
+              <a:t>17/04/2023</a:t>
             </a:fld>
             <a:endParaRPr lang="en-GB"/>
           </a:p>
@@ -1967,7 +1972,7 @@
           <a:p>
             <a:fld id="{8538F2EF-0348-4DBA-9D65-97822118B3A2}" type="datetimeFigureOut">
               <a:rPr lang="en-GB" smtClean="0"/>
-              <a:t>19/12/2022</a:t>
+              <a:t>17/04/2023</a:t>
             </a:fld>
             <a:endParaRPr lang="en-GB"/>
           </a:p>
@@ -2080,7 +2085,7 @@
           <a:p>
             <a:fld id="{8538F2EF-0348-4DBA-9D65-97822118B3A2}" type="datetimeFigureOut">
               <a:rPr lang="en-GB" smtClean="0"/>
-              <a:t>19/12/2022</a:t>
+              <a:t>17/04/2023</a:t>
             </a:fld>
             <a:endParaRPr lang="en-GB"/>
           </a:p>
@@ -2393,7 +2398,7 @@
           <a:p>
             <a:fld id="{8538F2EF-0348-4DBA-9D65-97822118B3A2}" type="datetimeFigureOut">
               <a:rPr lang="en-GB" smtClean="0"/>
-              <a:t>19/12/2022</a:t>
+              <a:t>17/04/2023</a:t>
             </a:fld>
             <a:endParaRPr lang="en-GB"/>
           </a:p>
@@ -2682,7 +2687,7 @@
           <a:p>
             <a:fld id="{8538F2EF-0348-4DBA-9D65-97822118B3A2}" type="datetimeFigureOut">
               <a:rPr lang="en-GB" smtClean="0"/>
-              <a:t>19/12/2022</a:t>
+              <a:t>17/04/2023</a:t>
             </a:fld>
             <a:endParaRPr lang="en-GB"/>
           </a:p>
@@ -2925,7 +2930,7 @@
           <a:p>
             <a:fld id="{8538F2EF-0348-4DBA-9D65-97822118B3A2}" type="datetimeFigureOut">
               <a:rPr lang="en-GB" smtClean="0"/>
-              <a:t>19/12/2022</a:t>
+              <a:t>17/04/2023</a:t>
             </a:fld>
             <a:endParaRPr lang="en-GB"/>
           </a:p>
@@ -3626,41 +3631,6 @@
       </p:sp>
       <p:sp>
         <p:nvSpPr>
-          <p:cNvPr id="19" name="TextBox 18">
-            <a:extLst>
-              <a:ext uri="{FF2B5EF4-FFF2-40B4-BE49-F238E27FC236}">
-                <a16:creationId xmlns:a16="http://schemas.microsoft.com/office/drawing/2014/main" id="{4A7A1452-E3B9-5715-A0D0-F3B2BA4B934C}"/>
-              </a:ext>
-            </a:extLst>
-          </p:cNvPr>
-          <p:cNvSpPr txBox="1"/>
-          <p:nvPr/>
-        </p:nvSpPr>
-        <p:spPr>
-          <a:xfrm>
-            <a:off x="2276670" y="4211348"/>
-            <a:ext cx="1166324" cy="307777"/>
-          </a:xfrm>
-          <a:prstGeom prst="rect">
-            <a:avLst/>
-          </a:prstGeom>
-          <a:noFill/>
-        </p:spPr>
-        <p:txBody>
-          <a:bodyPr wrap="square" rtlCol="0">
-            <a:spAutoFit/>
-          </a:bodyPr>
-          <a:lstStyle/>
-          <a:p>
-            <a:r>
-              <a:rPr lang="en-GB" sz="1400" dirty="0"/>
-              <a:t>0…*</a:t>
-            </a:r>
-          </a:p>
-        </p:txBody>
-      </p:sp>
-      <p:sp>
-        <p:nvSpPr>
           <p:cNvPr id="20" name="TextBox 19">
             <a:extLst>
               <a:ext uri="{FF2B5EF4-FFF2-40B4-BE49-F238E27FC236}">
@@ -3690,41 +3660,6 @@
             <a:r>
               <a:rPr lang="en-GB" sz="1400" dirty="0"/>
               <a:t>0…*</a:t>
-            </a:r>
-          </a:p>
-        </p:txBody>
-      </p:sp>
-      <p:sp>
-        <p:nvSpPr>
-          <p:cNvPr id="24" name="TextBox 23">
-            <a:extLst>
-              <a:ext uri="{FF2B5EF4-FFF2-40B4-BE49-F238E27FC236}">
-                <a16:creationId xmlns:a16="http://schemas.microsoft.com/office/drawing/2014/main" id="{2FF05846-1218-5C41-D903-271736B22E75}"/>
-              </a:ext>
-            </a:extLst>
-          </p:cNvPr>
-          <p:cNvSpPr txBox="1"/>
-          <p:nvPr/>
-        </p:nvSpPr>
-        <p:spPr>
-          <a:xfrm>
-            <a:off x="3100282" y="3509582"/>
-            <a:ext cx="1166324" cy="307777"/>
-          </a:xfrm>
-          <a:prstGeom prst="rect">
-            <a:avLst/>
-          </a:prstGeom>
-          <a:noFill/>
-        </p:spPr>
-        <p:txBody>
-          <a:bodyPr wrap="square" rtlCol="0">
-            <a:spAutoFit/>
-          </a:bodyPr>
-          <a:lstStyle/>
-          <a:p>
-            <a:r>
-              <a:rPr lang="en-GB" sz="1400" dirty="0"/>
-              <a:t>1</a:t>
             </a:r>
           </a:p>
         </p:txBody>
@@ -3842,44 +3777,6 @@
           </a:fontRef>
         </p:style>
       </p:cxnSp>
-      <p:cxnSp>
-        <p:nvCxnSpPr>
-          <p:cNvPr id="34" name="Connector: Elbow 33">
-            <a:extLst>
-              <a:ext uri="{FF2B5EF4-FFF2-40B4-BE49-F238E27FC236}">
-                <a16:creationId xmlns:a16="http://schemas.microsoft.com/office/drawing/2014/main" id="{B711E596-0360-5D8A-1A8C-0EE70797B874}"/>
-              </a:ext>
-            </a:extLst>
-          </p:cNvPr>
-          <p:cNvCxnSpPr>
-            <a:stCxn id="7" idx="0"/>
-          </p:cNvCxnSpPr>
-          <p:nvPr/>
-        </p:nvCxnSpPr>
-        <p:spPr>
-          <a:xfrm rot="5400000" flipH="1" flipV="1">
-            <a:off x="2469248" y="3352543"/>
-            <a:ext cx="974003" cy="1359163"/>
-          </a:xfrm>
-          <a:prstGeom prst="bentConnector2">
-            <a:avLst/>
-          </a:prstGeom>
-        </p:spPr>
-        <p:style>
-          <a:lnRef idx="1">
-            <a:schemeClr val="dk1"/>
-          </a:lnRef>
-          <a:fillRef idx="0">
-            <a:schemeClr val="dk1"/>
-          </a:fillRef>
-          <a:effectRef idx="0">
-            <a:schemeClr val="dk1"/>
-          </a:effectRef>
-          <a:fontRef idx="minor">
-            <a:schemeClr val="tx1"/>
-          </a:fontRef>
-        </p:style>
-      </p:cxnSp>
       <p:sp>
         <p:nvSpPr>
           <p:cNvPr id="35" name="Diamond 34">
@@ -3895,52 +3792,6 @@
         <p:spPr>
           <a:xfrm>
             <a:off x="3263379" y="3204281"/>
-            <a:ext cx="359221" cy="197940"/>
-          </a:xfrm>
-          <a:prstGeom prst="diamond">
-            <a:avLst/>
-          </a:prstGeom>
-        </p:spPr>
-        <p:style>
-          <a:lnRef idx="2">
-            <a:schemeClr val="dk1">
-              <a:shade val="50000"/>
-            </a:schemeClr>
-          </a:lnRef>
-          <a:fillRef idx="1">
-            <a:schemeClr val="dk1"/>
-          </a:fillRef>
-          <a:effectRef idx="0">
-            <a:schemeClr val="dk1"/>
-          </a:effectRef>
-          <a:fontRef idx="minor">
-            <a:schemeClr val="lt1"/>
-          </a:fontRef>
-        </p:style>
-        <p:txBody>
-          <a:bodyPr rtlCol="0" anchor="ctr"/>
-          <a:lstStyle/>
-          <a:p>
-            <a:pPr algn="ctr"/>
-            <a:endParaRPr lang="en-GB"/>
-          </a:p>
-        </p:txBody>
-      </p:sp>
-      <p:sp>
-        <p:nvSpPr>
-          <p:cNvPr id="36" name="Diamond 35">
-            <a:extLst>
-              <a:ext uri="{FF2B5EF4-FFF2-40B4-BE49-F238E27FC236}">
-                <a16:creationId xmlns:a16="http://schemas.microsoft.com/office/drawing/2014/main" id="{7C690A60-B615-0536-F345-C1384F0540A4}"/>
-              </a:ext>
-            </a:extLst>
-          </p:cNvPr>
-          <p:cNvSpPr/>
-          <p:nvPr/>
-        </p:nvSpPr>
-        <p:spPr>
-          <a:xfrm>
-            <a:off x="3263380" y="3446152"/>
             <a:ext cx="359221" cy="197940"/>
           </a:xfrm>
           <a:prstGeom prst="diamond">
@@ -4359,7 +4210,7 @@
           <a:p>
             <a:r>
               <a:rPr lang="en-GB" sz="1400" dirty="0"/>
-              <a:t>2…*</a:t>
+              <a:t>2…6</a:t>
             </a:r>
           </a:p>
         </p:txBody>
